--- a/content/blog/ivc-kappa/Imagens.pptx
+++ b/content/blog/ivc-kappa/Imagens.pptx
@@ -3351,7 +3351,7 @@
         <p:spPr>
           <a:xfrm>
             <a:off x="556592" y="384313"/>
-            <a:ext cx="6162261" cy="1272209"/>
+            <a:ext cx="8746434" cy="2663687"/>
           </a:xfrm>
           <a:prstGeom prst="rect">
             <a:avLst/>
@@ -3388,8 +3388,8 @@
           </a:p>
         </p:txBody>
       </p:sp>
-      <mc:AlternateContent xmlns:mc="http://schemas.openxmlformats.org/markup-compatibility/2006" xmlns:a14="http://schemas.microsoft.com/office/drawing/2010/main">
-        <mc:Choice Requires="a14">
+      <mc:AlternateContent xmlns:mc="http://schemas.openxmlformats.org/markup-compatibility/2006">
+        <mc:Choice xmlns:a14="http://schemas.microsoft.com/office/drawing/2010/main" Requires="a14">
           <p:sp>
             <p:nvSpPr>
               <p:cNvPr id="2" name="CaixaDeTexto 1">
@@ -3404,7 +3404,7 @@
             </p:nvSpPr>
             <p:spPr>
               <a:xfrm>
-                <a:off x="851703" y="640280"/>
+                <a:off x="2272999" y="1336019"/>
                 <a:ext cx="5572038" cy="760273"/>
               </a:xfrm>
               <a:prstGeom prst="rect">
@@ -3433,24 +3433,6 @@
                           <a:latin typeface="Nunito" pitchFamily="2" charset="77"/>
                         </a:rPr>
                         <m:t>IVC</m:t>
-                      </m:r>
-                      <m:r>
-                        <m:rPr>
-                          <m:nor/>
-                        </m:rPr>
-                        <a:rPr lang="pt-BR" sz="2400" b="0" i="0" smtClean="0">
-                          <a:latin typeface="Nunito" pitchFamily="2" charset="77"/>
-                        </a:rPr>
-                        <m:t>−</m:t>
-                      </m:r>
-                      <m:r>
-                        <m:rPr>
-                          <m:nor/>
-                        </m:rPr>
-                        <a:rPr lang="pt-BR" sz="2400" b="0" i="0" smtClean="0">
-                          <a:latin typeface="Nunito" pitchFamily="2" charset="77"/>
-                        </a:rPr>
-                        <m:t>I</m:t>
                       </m:r>
                       <m:r>
                         <m:rPr>
@@ -3619,7 +3601,7 @@
             </p:txBody>
           </p:sp>
         </mc:Choice>
-        <mc:Fallback xmlns="">
+        <mc:Fallback>
           <p:sp>
             <p:nvSpPr>
               <p:cNvPr id="2" name="CaixaDeTexto 1">
@@ -3636,7 +3618,7 @@
             </p:nvSpPr>
             <p:spPr>
               <a:xfrm>
-                <a:off x="851703" y="640280"/>
+                <a:off x="2272999" y="1336019"/>
                 <a:ext cx="5572038" cy="760273"/>
               </a:xfrm>
               <a:prstGeom prst="rect">
@@ -3645,7 +3627,7 @@
               <a:blipFill>
                 <a:blip r:embed="rId2"/>
                 <a:stretch>
-                  <a:fillRect l="-911" t="-16393" r="-911" b="-26230"/>
+                  <a:fillRect t="-16393" b="-24590"/>
                 </a:stretch>
               </a:blipFill>
             </p:spPr>
@@ -7794,8 +7776,8 @@
           </a:graphicData>
         </a:graphic>
       </p:graphicFrame>
-      <mc:AlternateContent xmlns:mc="http://schemas.openxmlformats.org/markup-compatibility/2006">
-        <mc:Choice xmlns:a14="http://schemas.microsoft.com/office/drawing/2010/main" Requires="a14">
+      <mc:AlternateContent xmlns:mc="http://schemas.openxmlformats.org/markup-compatibility/2006" xmlns:a14="http://schemas.microsoft.com/office/drawing/2010/main">
+        <mc:Choice Requires="a14">
           <p:sp>
             <p:nvSpPr>
               <p:cNvPr id="6" name="CaixaDeTexto 5">
@@ -7824,6 +7806,7 @@
               </a:bodyPr>
               <a:lstStyle/>
               <a:p>
+                <a:pPr/>
                 <a14:m>
                   <m:oMathPara xmlns:m="http://schemas.openxmlformats.org/officeDocument/2006/math">
                     <m:oMathParaPr>
@@ -7891,7 +7874,7 @@
                           </m:r>
                           <m:r>
                             <a:rPr lang="pt-BR" sz="2400" b="0" i="1" smtClean="0">
-                              <a:latin typeface="Nunito" pitchFamily="2" charset="77"/>
+                              <a:latin typeface="Cambria Math" panose="02040503050406030204" pitchFamily="18" charset="0"/>
                             </a:rPr>
                             <m:t>–</m:t>
                           </m:r>
@@ -7917,7 +7900,7 @@
                           </m:r>
                           <m:r>
                             <a:rPr lang="pt-BR" sz="2400" b="0" i="1" smtClean="0">
-                              <a:latin typeface="Nunito" pitchFamily="2" charset="77"/>
+                              <a:latin typeface="Cambria Math" panose="02040503050406030204" pitchFamily="18" charset="0"/>
                             </a:rPr>
                             <m:t>–</m:t>
                           </m:r>
@@ -7942,7 +7925,7 @@
             </p:txBody>
           </p:sp>
         </mc:Choice>
-        <mc:Fallback>
+        <mc:Fallback xmlns="">
           <p:sp>
             <p:nvSpPr>
               <p:cNvPr id="6" name="CaixaDeTexto 5">
@@ -7987,8 +7970,8 @@
           </p:sp>
         </mc:Fallback>
       </mc:AlternateContent>
-      <mc:AlternateContent xmlns:mc="http://schemas.openxmlformats.org/markup-compatibility/2006">
-        <mc:Choice xmlns:a14="http://schemas.microsoft.com/office/drawing/2010/main" Requires="a14">
+      <mc:AlternateContent xmlns:mc="http://schemas.openxmlformats.org/markup-compatibility/2006" xmlns:a14="http://schemas.microsoft.com/office/drawing/2010/main">
+        <mc:Choice Requires="a14">
           <p:sp>
             <p:nvSpPr>
               <p:cNvPr id="7" name="CaixaDeTexto 6">
@@ -8017,6 +8000,7 @@
               </a:bodyPr>
               <a:lstStyle/>
               <a:p>
+                <a:pPr/>
                 <a14:m>
                   <m:oMathPara xmlns:m="http://schemas.openxmlformats.org/officeDocument/2006/math">
                     <m:oMathParaPr>
@@ -8147,7 +8131,7 @@
             </p:txBody>
           </p:sp>
         </mc:Choice>
-        <mc:Fallback>
+        <mc:Fallback xmlns="">
           <p:sp>
             <p:nvSpPr>
               <p:cNvPr id="7" name="CaixaDeTexto 6">
@@ -8393,8 +8377,8 @@
           </a:prstGeom>
         </p:spPr>
       </p:pic>
-      <mc:AlternateContent xmlns:mc="http://schemas.openxmlformats.org/markup-compatibility/2006">
-        <mc:Choice xmlns:a14="http://schemas.microsoft.com/office/drawing/2010/main" Requires="a14">
+      <mc:AlternateContent xmlns:mc="http://schemas.openxmlformats.org/markup-compatibility/2006" xmlns:a14="http://schemas.microsoft.com/office/drawing/2010/main">
+        <mc:Choice Requires="a14">
           <p:sp>
             <p:nvSpPr>
               <p:cNvPr id="5" name="CaixaDeTexto 4">
@@ -8423,6 +8407,7 @@
               </a:bodyPr>
               <a:lstStyle/>
               <a:p>
+                <a:pPr/>
                 <a14:m>
                   <m:oMathPara xmlns:m="http://schemas.openxmlformats.org/officeDocument/2006/math">
                     <m:oMathParaPr>
@@ -8594,7 +8579,7 @@
             </p:txBody>
           </p:sp>
         </mc:Choice>
-        <mc:Fallback>
+        <mc:Fallback xmlns="">
           <p:sp>
             <p:nvSpPr>
               <p:cNvPr id="5" name="CaixaDeTexto 4">
@@ -8639,8 +8624,8 @@
           </p:sp>
         </mc:Fallback>
       </mc:AlternateContent>
-      <mc:AlternateContent xmlns:mc="http://schemas.openxmlformats.org/markup-compatibility/2006">
-        <mc:Choice xmlns:a14="http://schemas.microsoft.com/office/drawing/2010/main" Requires="a14">
+      <mc:AlternateContent xmlns:mc="http://schemas.openxmlformats.org/markup-compatibility/2006" xmlns:a14="http://schemas.microsoft.com/office/drawing/2010/main">
+        <mc:Choice Requires="a14">
           <p:sp>
             <p:nvSpPr>
               <p:cNvPr id="7" name="CaixaDeTexto 6">
@@ -8669,6 +8654,7 @@
               </a:bodyPr>
               <a:lstStyle/>
               <a:p>
+                <a:pPr/>
                 <a14:m>
                   <m:oMathPara xmlns:m="http://schemas.openxmlformats.org/officeDocument/2006/math">
                     <m:oMathParaPr>
@@ -8732,7 +8718,7 @@
                             <a:rPr lang="pt-BR" sz="2400" b="0" i="0" smtClean="0">
                               <a:latin typeface="Cambria Math" panose="02040503050406030204" pitchFamily="18" charset="0"/>
                             </a:rPr>
-                            <m:t>-</m:t>
+                            <m:t>−</m:t>
                           </m:r>
                           <m:r>
                             <m:rPr>
@@ -8826,7 +8812,7 @@
             </p:txBody>
           </p:sp>
         </mc:Choice>
-        <mc:Fallback>
+        <mc:Fallback xmlns="">
           <p:sp>
             <p:nvSpPr>
               <p:cNvPr id="7" name="CaixaDeTexto 6">
@@ -8921,8 +8907,8 @@
         </p:nvSpPr>
         <p:spPr>
           <a:xfrm>
-            <a:off x="4041913" y="318052"/>
-            <a:ext cx="4346713" cy="5698435"/>
+            <a:off x="4041913" y="318053"/>
+            <a:ext cx="4346713" cy="4664764"/>
           </a:xfrm>
           <a:prstGeom prst="rect">
             <a:avLst/>
@@ -8959,8 +8945,8 @@
           </a:p>
         </p:txBody>
       </p:sp>
-      <mc:AlternateContent xmlns:mc="http://schemas.openxmlformats.org/markup-compatibility/2006">
-        <mc:Choice xmlns:a14="http://schemas.microsoft.com/office/drawing/2010/main" Requires="a14">
+      <mc:AlternateContent xmlns:mc="http://schemas.openxmlformats.org/markup-compatibility/2006" xmlns:a14="http://schemas.microsoft.com/office/drawing/2010/main">
+        <mc:Choice Requires="a14">
           <p:sp>
             <p:nvSpPr>
               <p:cNvPr id="5" name="CaixaDeTexto 4">
@@ -8989,6 +8975,7 @@
               </a:bodyPr>
               <a:lstStyle/>
               <a:p>
+                <a:pPr/>
                 <a14:m>
                   <m:oMathPara xmlns:m="http://schemas.openxmlformats.org/officeDocument/2006/math">
                     <m:oMathParaPr>
@@ -9050,13 +9037,7 @@
                                 <a:rPr lang="pt-BR" sz="2400" b="0" i="1" smtClean="0">
                                   <a:latin typeface="Cambria Math" panose="02040503050406030204" pitchFamily="18" charset="0"/>
                                 </a:rPr>
-                                <m:t>5</m:t>
-                              </m:r>
-                              <m:r>
-                                <a:rPr lang="pt-BR" sz="2400" b="0" i="1" smtClean="0">
-                                  <a:latin typeface="Cambria Math" panose="02040503050406030204" pitchFamily="18" charset="0"/>
-                                </a:rPr>
-                                <m:t>!</m:t>
+                                <m:t>5!</m:t>
                               </m:r>
                             </m:num>
                             <m:den>
@@ -9079,13 +9060,7 @@
                                     <a:rPr lang="pt-BR" sz="2400" b="0" i="1" smtClean="0">
                                       <a:latin typeface="Cambria Math" panose="02040503050406030204" pitchFamily="18" charset="0"/>
                                     </a:rPr>
-                                    <m:t>5</m:t>
-                                  </m:r>
-                                  <m:r>
-                                    <a:rPr lang="pt-BR" sz="2400" b="0" i="1" smtClean="0">
-                                      <a:latin typeface="Cambria Math" panose="02040503050406030204" pitchFamily="18" charset="0"/>
-                                    </a:rPr>
-                                    <m:t>−4</m:t>
+                                    <m:t>5−4</m:t>
                                   </m:r>
                                 </m:e>
                               </m:d>
@@ -9148,7 +9123,7 @@
             </p:txBody>
           </p:sp>
         </mc:Choice>
-        <mc:Fallback>
+        <mc:Fallback xmlns="">
           <p:sp>
             <p:nvSpPr>
               <p:cNvPr id="5" name="CaixaDeTexto 4">
@@ -9193,8 +9168,8 @@
           </p:sp>
         </mc:Fallback>
       </mc:AlternateContent>
-      <mc:AlternateContent xmlns:mc="http://schemas.openxmlformats.org/markup-compatibility/2006">
-        <mc:Choice xmlns:a14="http://schemas.microsoft.com/office/drawing/2010/main" Requires="a14">
+      <mc:AlternateContent xmlns:mc="http://schemas.openxmlformats.org/markup-compatibility/2006" xmlns:a14="http://schemas.microsoft.com/office/drawing/2010/main">
+        <mc:Choice Requires="a14">
           <p:sp>
             <p:nvSpPr>
               <p:cNvPr id="2" name="CaixaDeTexto 1">
@@ -9223,6 +9198,7 @@
               </a:bodyPr>
               <a:lstStyle/>
               <a:p>
+                <a:pPr/>
                 <a14:m>
                   <m:oMathPara xmlns:m="http://schemas.openxmlformats.org/officeDocument/2006/math">
                     <m:oMathParaPr>
@@ -9284,13 +9260,7 @@
                                 <a:rPr lang="pt-BR" sz="2400" b="0" i="1" smtClean="0">
                                   <a:latin typeface="Cambria Math" panose="02040503050406030204" pitchFamily="18" charset="0"/>
                                 </a:rPr>
-                                <m:t>5</m:t>
-                              </m:r>
-                              <m:r>
-                                <a:rPr lang="pt-BR" sz="2400" b="0" i="1" smtClean="0">
-                                  <a:latin typeface="Cambria Math" panose="02040503050406030204" pitchFamily="18" charset="0"/>
-                                </a:rPr>
-                                <m:t>!</m:t>
+                                <m:t>5!</m:t>
                               </m:r>
                             </m:num>
                             <m:den>
@@ -9325,7 +9295,7 @@
             </p:txBody>
           </p:sp>
         </mc:Choice>
-        <mc:Fallback>
+        <mc:Fallback xmlns="">
           <p:sp>
             <p:nvSpPr>
               <p:cNvPr id="2" name="CaixaDeTexto 1">
@@ -9370,8 +9340,8 @@
           </p:sp>
         </mc:Fallback>
       </mc:AlternateContent>
-      <mc:AlternateContent xmlns:mc="http://schemas.openxmlformats.org/markup-compatibility/2006">
-        <mc:Choice xmlns:a14="http://schemas.microsoft.com/office/drawing/2010/main" Requires="a14">
+      <mc:AlternateContent xmlns:mc="http://schemas.openxmlformats.org/markup-compatibility/2006" xmlns:a14="http://schemas.microsoft.com/office/drawing/2010/main">
+        <mc:Choice Requires="a14">
           <p:sp>
             <p:nvSpPr>
               <p:cNvPr id="3" name="CaixaDeTexto 2">
@@ -9400,6 +9370,7 @@
               </a:bodyPr>
               <a:lstStyle/>
               <a:p>
+                <a:pPr/>
                 <a14:m>
                   <m:oMathPara xmlns:m="http://schemas.openxmlformats.org/officeDocument/2006/math">
                     <m:oMathParaPr>
@@ -9516,7 +9487,7 @@
             </p:txBody>
           </p:sp>
         </mc:Choice>
-        <mc:Fallback>
+        <mc:Fallback xmlns="">
           <p:sp>
             <p:nvSpPr>
               <p:cNvPr id="3" name="CaixaDeTexto 2">
@@ -9565,10 +9536,10 @@
         <mc:Choice xmlns:a14="http://schemas.microsoft.com/office/drawing/2010/main" Requires="a14">
           <p:sp>
             <p:nvSpPr>
-              <p:cNvPr id="8" name="CaixaDeTexto 7">
+              <p:cNvPr id="9" name="CaixaDeTexto 8">
                 <a:extLst>
                   <a:ext uri="{FF2B5EF4-FFF2-40B4-BE49-F238E27FC236}">
-                    <a16:creationId xmlns:a16="http://schemas.microsoft.com/office/drawing/2014/main" id="{9F7D3650-6B10-DC46-A3E1-90ED17214643}"/>
+                    <a16:creationId xmlns:a16="http://schemas.microsoft.com/office/drawing/2014/main" id="{478349A2-E4AB-9CCC-08B7-2641920C0B47}"/>
                   </a:ext>
                 </a:extLst>
               </p:cNvPr>
@@ -9591,6 +9562,7 @@
               </a:bodyPr>
               <a:lstStyle/>
               <a:p>
+                <a:pPr/>
                 <a14:m>
                   <m:oMathPara xmlns:m="http://schemas.openxmlformats.org/officeDocument/2006/math">
                     <m:oMathParaPr>
@@ -9710,10 +9682,10 @@
         <mc:Fallback>
           <p:sp>
             <p:nvSpPr>
-              <p:cNvPr id="8" name="CaixaDeTexto 7">
+              <p:cNvPr id="9" name="CaixaDeTexto 8">
                 <a:extLst>
                   <a:ext uri="{FF2B5EF4-FFF2-40B4-BE49-F238E27FC236}">
-                    <a16:creationId xmlns:a16="http://schemas.microsoft.com/office/drawing/2014/main" id="{9F7D3650-6B10-DC46-A3E1-90ED17214643}"/>
+                    <a16:creationId xmlns:a16="http://schemas.microsoft.com/office/drawing/2014/main" id="{478349A2-E4AB-9CCC-08B7-2641920C0B47}"/>
                   </a:ext>
                 </a:extLst>
               </p:cNvPr>
@@ -9752,197 +9724,6 @@
           </p:sp>
         </mc:Fallback>
       </mc:AlternateContent>
-      <mc:AlternateContent xmlns:mc="http://schemas.openxmlformats.org/markup-compatibility/2006">
-        <mc:Choice xmlns:a14="http://schemas.microsoft.com/office/drawing/2010/main" Requires="a14">
-          <p:sp>
-            <p:nvSpPr>
-              <p:cNvPr id="9" name="CaixaDeTexto 8">
-                <a:extLst>
-                  <a:ext uri="{FF2B5EF4-FFF2-40B4-BE49-F238E27FC236}">
-                    <a16:creationId xmlns:a16="http://schemas.microsoft.com/office/drawing/2014/main" id="{478349A2-E4AB-9CCC-08B7-2641920C0B47}"/>
-                  </a:ext>
-                </a:extLst>
-              </p:cNvPr>
-              <p:cNvSpPr txBox="1"/>
-              <p:nvPr/>
-            </p:nvSpPr>
-            <p:spPr>
-              <a:xfrm>
-                <a:off x="4353502" y="4176468"/>
-                <a:ext cx="3414524" cy="711285"/>
-              </a:xfrm>
-              <a:prstGeom prst="rect">
-                <a:avLst/>
-              </a:prstGeom>
-              <a:noFill/>
-            </p:spPr>
-            <p:txBody>
-              <a:bodyPr wrap="none" lIns="0" tIns="0" rIns="0" bIns="0" rtlCol="0">
-                <a:spAutoFit/>
-              </a:bodyPr>
-              <a:lstStyle/>
-              <a:p>
-                <a14:m>
-                  <m:oMathPara xmlns:m="http://schemas.openxmlformats.org/officeDocument/2006/math">
-                    <m:oMathParaPr>
-                      <m:jc m:val="centerGroup"/>
-                    </m:oMathParaPr>
-                    <m:oMath xmlns:m="http://schemas.openxmlformats.org/officeDocument/2006/math">
-                      <m:sSub>
-                        <m:sSubPr>
-                          <m:ctrlPr>
-                            <a:rPr lang="pt-BR" sz="2400" i="1" smtClean="0">
-                              <a:latin typeface="Cambria Math" panose="02040503050406030204" pitchFamily="18" charset="0"/>
-                            </a:rPr>
-                          </m:ctrlPr>
-                        </m:sSubPr>
-                        <m:e>
-                          <m:r>
-                            <a:rPr lang="pt-BR" sz="2400" b="0" i="1" smtClean="0">
-                              <a:latin typeface="Cambria Math" panose="02040503050406030204" pitchFamily="18" charset="0"/>
-                            </a:rPr>
-                            <m:t>𝑝</m:t>
-                          </m:r>
-                        </m:e>
-                        <m:sub>
-                          <m:r>
-                            <a:rPr lang="pt-BR" sz="2400" b="0" i="1" smtClean="0">
-                              <a:latin typeface="Cambria Math" panose="02040503050406030204" pitchFamily="18" charset="0"/>
-                            </a:rPr>
-                            <m:t>𝑐</m:t>
-                          </m:r>
-                        </m:sub>
-                      </m:sSub>
-                      <m:r>
-                        <a:rPr lang="pt-BR" sz="2400" b="0" i="1" smtClean="0">
-                          <a:latin typeface="Cambria Math" panose="02040503050406030204" pitchFamily="18" charset="0"/>
-                        </a:rPr>
-                        <m:t>= </m:t>
-                      </m:r>
-                      <m:d>
-                        <m:dPr>
-                          <m:begChr m:val="["/>
-                          <m:endChr m:val="]"/>
-                          <m:ctrlPr>
-                            <a:rPr lang="pt-BR" sz="2400" b="0" i="1" smtClean="0">
-                              <a:latin typeface="Cambria Math" panose="02040503050406030204" pitchFamily="18" charset="0"/>
-                            </a:rPr>
-                          </m:ctrlPr>
-                        </m:dPr>
-                        <m:e>
-                          <m:f>
-                            <m:fPr>
-                              <m:ctrlPr>
-                                <a:rPr lang="pt-BR" sz="2400" b="0" i="1" smtClean="0">
-                                  <a:latin typeface="Cambria Math" panose="02040503050406030204" pitchFamily="18" charset="0"/>
-                                </a:rPr>
-                              </m:ctrlPr>
-                            </m:fPr>
-                            <m:num>
-                              <m:r>
-                                <a:rPr lang="pt-BR" sz="2400" b="0" i="1" smtClean="0">
-                                  <a:latin typeface="Cambria Math" panose="02040503050406030204" pitchFamily="18" charset="0"/>
-                                </a:rPr>
-                                <m:t>5 </m:t>
-                              </m:r>
-                              <m:r>
-                                <a:rPr lang="pt-BR" sz="2400" b="0" i="1" smtClean="0">
-                                  <a:latin typeface="Cambria Math" panose="02040503050406030204" pitchFamily="18" charset="0"/>
-                                  <a:ea typeface="Cambria Math" panose="02040503050406030204" pitchFamily="18" charset="0"/>
-                                </a:rPr>
-                                <m:t>× </m:t>
-                              </m:r>
-                              <m:r>
-                                <a:rPr lang="pt-BR" sz="2400" b="0" i="1" smtClean="0">
-                                  <a:latin typeface="Cambria Math" panose="02040503050406030204" pitchFamily="18" charset="0"/>
-                                </a:rPr>
-                                <m:t>4!</m:t>
-                              </m:r>
-                            </m:num>
-                            <m:den>
-                              <m:r>
-                                <a:rPr lang="pt-BR" sz="2400" b="0" i="1" smtClean="0">
-                                  <a:latin typeface="Cambria Math" panose="02040503050406030204" pitchFamily="18" charset="0"/>
-                                </a:rPr>
-                                <m:t>4! </m:t>
-                              </m:r>
-                              <m:r>
-                                <a:rPr lang="pt-BR" sz="2400" b="0" i="1" smtClean="0">
-                                  <a:latin typeface="Cambria Math" panose="02040503050406030204" pitchFamily="18" charset="0"/>
-                                  <a:ea typeface="Cambria Math" panose="02040503050406030204" pitchFamily="18" charset="0"/>
-                                </a:rPr>
-                                <m:t>× 1</m:t>
-                              </m:r>
-                            </m:den>
-                          </m:f>
-                        </m:e>
-                      </m:d>
-                      <m:r>
-                        <a:rPr lang="pt-BR" sz="2400" b="0" i="1" smtClean="0">
-                          <a:latin typeface="Cambria Math" panose="02040503050406030204" pitchFamily="18" charset="0"/>
-                        </a:rPr>
-                        <m:t> </m:t>
-                      </m:r>
-                      <m:r>
-                        <a:rPr lang="pt-BR" sz="2400" b="0" i="1" smtClean="0">
-                          <a:latin typeface="Cambria Math" panose="02040503050406030204" pitchFamily="18" charset="0"/>
-                          <a:ea typeface="Cambria Math" panose="02040503050406030204" pitchFamily="18" charset="0"/>
-                        </a:rPr>
-                        <m:t>× 0,03125</m:t>
-                      </m:r>
-                    </m:oMath>
-                  </m:oMathPara>
-                </a14:m>
-                <a:endParaRPr lang="pt-BR" sz="2400" dirty="0"/>
-              </a:p>
-            </p:txBody>
-          </p:sp>
-        </mc:Choice>
-        <mc:Fallback>
-          <p:sp>
-            <p:nvSpPr>
-              <p:cNvPr id="9" name="CaixaDeTexto 8">
-                <a:extLst>
-                  <a:ext uri="{FF2B5EF4-FFF2-40B4-BE49-F238E27FC236}">
-                    <a16:creationId xmlns:a16="http://schemas.microsoft.com/office/drawing/2014/main" id="{478349A2-E4AB-9CCC-08B7-2641920C0B47}"/>
-                  </a:ext>
-                </a:extLst>
-              </p:cNvPr>
-              <p:cNvSpPr txBox="1">
-                <a:spLocks noRot="1" noChangeAspect="1" noMove="1" noResize="1" noEditPoints="1" noAdjustHandles="1" noChangeArrowheads="1" noChangeShapeType="1" noTextEdit="1"/>
-              </p:cNvSpPr>
-              <p:nvPr/>
-            </p:nvSpPr>
-            <p:spPr>
-              <a:xfrm>
-                <a:off x="4353502" y="4176468"/>
-                <a:ext cx="3414524" cy="711285"/>
-              </a:xfrm>
-              <a:prstGeom prst="rect">
-                <a:avLst/>
-              </a:prstGeom>
-              <a:blipFill>
-                <a:blip r:embed="rId6"/>
-                <a:stretch>
-                  <a:fillRect l="-370" t="-7018" r="-370" b="-28070"/>
-                </a:stretch>
-              </a:blipFill>
-            </p:spPr>
-            <p:txBody>
-              <a:bodyPr/>
-              <a:lstStyle/>
-              <a:p>
-                <a:r>
-                  <a:rPr lang="pt-BR">
-                    <a:noFill/>
-                  </a:rPr>
-                  <a:t> </a:t>
-                </a:r>
-              </a:p>
-            </p:txBody>
-          </p:sp>
-        </mc:Fallback>
-      </mc:AlternateContent>
       <p:cxnSp>
         <p:nvCxnSpPr>
           <p:cNvPr id="11" name="Conector Reto 10">
@@ -9960,7 +9741,7 @@
         </p:nvCxnSpPr>
         <p:spPr>
           <a:xfrm flipV="1">
-            <a:off x="5804452" y="4176468"/>
+            <a:off x="5804452" y="3258004"/>
             <a:ext cx="256312" cy="302767"/>
           </a:xfrm>
           <a:prstGeom prst="line">
@@ -10003,7 +9784,7 @@
         </p:nvCxnSpPr>
         <p:spPr>
           <a:xfrm flipV="1">
-            <a:off x="5334000" y="4611490"/>
+            <a:off x="5334000" y="3693026"/>
             <a:ext cx="256312" cy="302767"/>
           </a:xfrm>
           <a:prstGeom prst="line">
@@ -10046,7 +9827,7 @@
             </p:nvSpPr>
             <p:spPr>
               <a:xfrm>
-                <a:off x="4353502" y="5252258"/>
+                <a:off x="4353502" y="4333794"/>
                 <a:ext cx="3850734" cy="369332"/>
               </a:xfrm>
               <a:prstGeom prst="rect">
@@ -10060,6 +9841,7 @@
               </a:bodyPr>
               <a:lstStyle/>
               <a:p>
+                <a:pPr/>
                 <a14:m>
                   <m:oMathPara xmlns:m="http://schemas.openxmlformats.org/officeDocument/2006/math">
                     <m:oMathParaPr>
@@ -10157,16 +9939,16 @@
             </p:nvSpPr>
             <p:spPr>
               <a:xfrm>
-                <a:off x="4353502" y="5252258"/>
+                <a:off x="4353502" y="4333794"/>
                 <a:ext cx="3850734" cy="369332"/>
               </a:xfrm>
               <a:prstGeom prst="rect">
                 <a:avLst/>
               </a:prstGeom>
               <a:blipFill>
-                <a:blip r:embed="rId7"/>
+                <a:blip r:embed="rId6"/>
                 <a:stretch>
-                  <a:fillRect l="-1311" t="-6667" r="-1311" b="-40000"/>
+                  <a:fillRect l="-1311" t="-6667" r="-1311" b="-36667"/>
                 </a:stretch>
               </a:blipFill>
             </p:spPr>
